--- a/9.Deep_learning/class/11.0 DEEP LEARNING/class_1_module_9_deep learning__introduction.pptx
+++ b/9.Deep_learning/class/11.0 DEEP LEARNING/class_1_module_9_deep learning__introduction.pptx
@@ -5117,7 +5117,7 @@
         </p:blipFill>
         <p:spPr>
           <a:xfrm>
-            <a:off x="5619750" y="100965"/>
+            <a:off x="5523865" y="224155"/>
             <a:ext cx="6424930" cy="5667375"/>
           </a:xfrm>
           <a:prstGeom prst="rect">
@@ -5615,7 +5615,7 @@
         </p:nvSpPr>
         <p:spPr>
           <a:xfrm>
-            <a:off x="443865" y="5767070"/>
+            <a:off x="443865" y="5780405"/>
             <a:ext cx="11655425" cy="368300"/>
           </a:xfrm>
           <a:prstGeom prst="rect">
